--- a/CKDSurveillance/PPT/Q790.pptx
+++ b/CKDSurveillance/PPT/Q790.pptx
@@ -339,7 +339,7 @@
               <a:lstStyle/>
               <a:p>
                 <a:pPr>
-                  <a:defRPr sz="2400" b="0" i="0" u="none" strike="noStrike" kern="1200" baseline="0">
+                  <a:defRPr sz="2000" b="0" i="0" u="none" strike="noStrike" kern="1200" baseline="0">
                     <a:solidFill>
                       <a:schemeClr val="tx1"/>
                     </a:solidFill>
@@ -349,14 +349,30 @@
                   </a:defRPr>
                 </a:pPr>
                 <a:r>
-                  <a:rPr lang="en-US" sz="2400" baseline="0" dirty="0">
+                  <a:rPr lang="en-US" sz="2000" baseline="0" dirty="0">
                     <a:solidFill>
                       <a:schemeClr val="tx1"/>
                     </a:solidFill>
                   </a:rPr>
-                  <a:t>Nephrology Visit (%)</a:t>
+                  <a:t>% Veterans with </a:t>
                 </a:r>
-                <a:endParaRPr lang="en-US" sz="2400" dirty="0">
+                <a:r>
+                  <a:rPr lang="en-US" sz="2200" baseline="0" dirty="0">
+                    <a:solidFill>
+                      <a:schemeClr val="tx1"/>
+                    </a:solidFill>
+                  </a:rPr>
+                  <a:t>Nephrology</a:t>
+                </a:r>
+                <a:r>
+                  <a:rPr lang="en-US" sz="2000" baseline="0" dirty="0">
+                    <a:solidFill>
+                      <a:schemeClr val="tx1"/>
+                    </a:solidFill>
+                  </a:rPr>
+                  <a:t> Visit</a:t>
+                </a:r>
+                <a:endParaRPr lang="en-US" sz="2000" dirty="0">
                   <a:solidFill>
                     <a:schemeClr val="tx1"/>
                   </a:solidFill>
@@ -369,7 +385,7 @@
               <c:xMode val="edge"/>
               <c:yMode val="edge"/>
               <c:x val="1.0526363714237342E-3"/>
-              <c:y val="0.13622415198125701"/>
+              <c:y val="6.2889011553762128E-2"/>
             </c:manualLayout>
           </c:layout>
           <c:overlay val="0"/>
@@ -385,7 +401,7 @@
             <a:lstStyle/>
             <a:p>
               <a:pPr>
-                <a:defRPr sz="2400" b="0" i="0" u="none" strike="noStrike" kern="1200" baseline="0">
+                <a:defRPr sz="2000" b="0" i="0" u="none" strike="noStrike" kern="1200" baseline="0">
                   <a:solidFill>
                     <a:schemeClr val="tx1"/>
                   </a:solidFill>
@@ -1150,7 +1166,7 @@
               <a:lstStyle/>
               <a:p>
                 <a:pPr>
-                  <a:defRPr sz="2400" b="0" i="0" u="none" strike="noStrike" kern="1200" baseline="0">
+                  <a:defRPr sz="2150" b="0" i="0" u="none" strike="noStrike" kern="1200" baseline="0">
                     <a:solidFill>
                       <a:sysClr val="windowText" lastClr="000000"/>
                     </a:solidFill>
@@ -1160,22 +1176,22 @@
                   </a:defRPr>
                 </a:pPr>
                 <a:r>
-                  <a:rPr lang="en-US" sz="2400">
+                  <a:rPr lang="en-US" sz="2150" dirty="0">
                     <a:solidFill>
                       <a:sysClr val="windowText" lastClr="000000"/>
                     </a:solidFill>
                   </a:rPr>
-                  <a:t>Nephrology</a:t>
+                  <a:t>%</a:t>
                 </a:r>
                 <a:r>
-                  <a:rPr lang="en-US" sz="2400" baseline="0">
+                  <a:rPr lang="en-US" sz="2150" baseline="0" dirty="0">
                     <a:solidFill>
                       <a:sysClr val="windowText" lastClr="000000"/>
                     </a:solidFill>
                   </a:rPr>
-                  <a:t> Visit (%)</a:t>
+                  <a:t> Veterans with Nephrology Visit</a:t>
                 </a:r>
-                <a:endParaRPr lang="en-US" sz="2400">
+                <a:endParaRPr lang="en-US" sz="2150" dirty="0">
                   <a:solidFill>
                     <a:sysClr val="windowText" lastClr="000000"/>
                   </a:solidFill>
@@ -1187,8 +1203,8 @@
             <c:manualLayout>
               <c:xMode val="edge"/>
               <c:yMode val="edge"/>
-              <c:x val="0"/>
-              <c:y val="9.0523816368795668E-2"/>
+              <c:x val="1.0645377253309938E-3"/>
+              <c:y val="1.209244381977608E-2"/>
             </c:manualLayout>
           </c:layout>
           <c:overlay val="0"/>
@@ -1204,7 +1220,7 @@
             <a:lstStyle/>
             <a:p>
               <a:pPr>
-                <a:defRPr sz="2400" b="0" i="0" u="none" strike="noStrike" kern="1200" baseline="0">
+                <a:defRPr sz="2150" b="0" i="0" u="none" strike="noStrike" kern="1200" baseline="0">
                   <a:solidFill>
                     <a:sysClr val="windowText" lastClr="000000"/>
                   </a:solidFill>
@@ -1629,7 +1645,7 @@
               <a:lstStyle/>
               <a:p>
                 <a:pPr>
-                  <a:defRPr sz="2400" b="0" i="0" u="none" strike="noStrike" kern="1200" baseline="0">
+                  <a:defRPr sz="2100" b="0" i="0" u="none" strike="noStrike" kern="1200" baseline="0">
                     <a:solidFill>
                       <a:schemeClr val="tx1"/>
                     </a:solidFill>
@@ -1639,7 +1655,23 @@
                   </a:defRPr>
                 </a:pPr>
                 <a:r>
-                  <a:rPr lang="en-US" sz="2400">
+                  <a:rPr lang="en-US" sz="2100" dirty="0">
+                    <a:solidFill>
+                      <a:schemeClr val="tx1"/>
+                    </a:solidFill>
+                  </a:rPr>
+                  <a:t>%</a:t>
+                </a:r>
+                <a:r>
+                  <a:rPr lang="en-US" sz="2100" baseline="0" dirty="0">
+                    <a:solidFill>
+                      <a:schemeClr val="tx1"/>
+                    </a:solidFill>
+                  </a:rPr>
+                  <a:t> Veterans with </a:t>
+                </a:r>
+                <a:r>
+                  <a:rPr lang="en-US" sz="2120" baseline="0" dirty="0">
                     <a:solidFill>
                       <a:schemeClr val="tx1"/>
                     </a:solidFill>
@@ -1647,14 +1679,14 @@
                   <a:t>Nephrology</a:t>
                 </a:r>
                 <a:r>
-                  <a:rPr lang="en-US" sz="2400" baseline="0">
+                  <a:rPr lang="en-US" sz="2100" baseline="0" dirty="0">
                     <a:solidFill>
                       <a:schemeClr val="tx1"/>
                     </a:solidFill>
                   </a:rPr>
-                  <a:t> Visit (%)</a:t>
+                  <a:t> Visit</a:t>
                 </a:r>
-                <a:endParaRPr lang="en-US" sz="2400">
+                <a:endParaRPr lang="en-US" sz="2100" dirty="0">
                   <a:solidFill>
                     <a:schemeClr val="tx1"/>
                   </a:solidFill>
@@ -1666,8 +1698,8 @@
             <c:manualLayout>
               <c:xMode val="edge"/>
               <c:yMode val="edge"/>
-              <c:x val="0"/>
-              <c:y val="8.4564454797756275E-2"/>
+              <c:x val="2.1488047273704003E-3"/>
+              <c:y val="1.2824172868442403E-2"/>
             </c:manualLayout>
           </c:layout>
           <c:overlay val="0"/>
@@ -1683,7 +1715,7 @@
             <a:lstStyle/>
             <a:p>
               <a:pPr>
-                <a:defRPr sz="2400" b="0" i="0" u="none" strike="noStrike" kern="1200" baseline="0">
+                <a:defRPr sz="2100" b="0" i="0" u="none" strike="noStrike" kern="1200" baseline="0">
                   <a:solidFill>
                     <a:schemeClr val="tx1"/>
                   </a:solidFill>
@@ -2593,7 +2625,7 @@
               <a:lstStyle/>
               <a:p>
                 <a:pPr>
-                  <a:defRPr sz="2400" b="0" i="0" u="none" strike="noStrike" kern="1200" baseline="0">
+                  <a:defRPr sz="2150" b="0" i="0" u="none" strike="noStrike" kern="1200" baseline="0">
                     <a:solidFill>
                       <a:sysClr val="windowText" lastClr="000000"/>
                     </a:solidFill>
@@ -2603,22 +2635,22 @@
                   </a:defRPr>
                 </a:pPr>
                 <a:r>
-                  <a:rPr lang="en-US" sz="2400" dirty="0">
+                  <a:rPr lang="en-US" sz="2150" dirty="0">
                     <a:solidFill>
                       <a:sysClr val="windowText" lastClr="000000"/>
                     </a:solidFill>
                   </a:rPr>
-                  <a:t>Nephrology</a:t>
+                  <a:t>%</a:t>
                 </a:r>
                 <a:r>
-                  <a:rPr lang="en-US" sz="2400" baseline="0" dirty="0">
+                  <a:rPr lang="en-US" sz="2150" baseline="0" dirty="0">
                     <a:solidFill>
                       <a:sysClr val="windowText" lastClr="000000"/>
                     </a:solidFill>
                   </a:rPr>
-                  <a:t> Visit (%)</a:t>
+                  <a:t> Veterans with Nephrology Visit</a:t>
                 </a:r>
-                <a:endParaRPr lang="en-US" sz="2400" dirty="0">
+                <a:endParaRPr lang="en-US" sz="2150" dirty="0">
                   <a:solidFill>
                     <a:sysClr val="windowText" lastClr="000000"/>
                   </a:solidFill>
@@ -2631,7 +2663,7 @@
               <c:xMode val="edge"/>
               <c:yMode val="edge"/>
               <c:x val="0"/>
-              <c:y val="0.12546926593853189"/>
+              <c:y val="4.5015240030480061E-3"/>
             </c:manualLayout>
           </c:layout>
           <c:overlay val="0"/>
@@ -2647,7 +2679,7 @@
             <a:lstStyle/>
             <a:p>
               <a:pPr>
-                <a:defRPr sz="2400" b="0" i="0" u="none" strike="noStrike" kern="1200" baseline="0">
+                <a:defRPr sz="2150" b="0" i="0" u="none" strike="noStrike" kern="1200" baseline="0">
                   <a:solidFill>
                     <a:sysClr val="windowText" lastClr="000000"/>
                   </a:solidFill>
@@ -3067,7 +3099,7 @@
               <a:lstStyle/>
               <a:p>
                 <a:pPr>
-                  <a:defRPr sz="2400" b="0" i="0" u="none" strike="noStrike" kern="1200" baseline="0">
+                  <a:defRPr sz="2150" b="0" i="0" u="none" strike="noStrike" kern="1200" baseline="0">
                     <a:solidFill>
                       <a:sysClr val="windowText" lastClr="000000"/>
                     </a:solidFill>
@@ -3077,22 +3109,22 @@
                   </a:defRPr>
                 </a:pPr>
                 <a:r>
-                  <a:rPr lang="en-US" sz="2400">
+                  <a:rPr lang="en-US" sz="2150" dirty="0">
                     <a:solidFill>
                       <a:sysClr val="windowText" lastClr="000000"/>
                     </a:solidFill>
                   </a:rPr>
-                  <a:t>Nephrology</a:t>
+                  <a:t>%</a:t>
                 </a:r>
                 <a:r>
-                  <a:rPr lang="en-US" sz="2400" baseline="0">
+                  <a:rPr lang="en-US" sz="2150" baseline="0" dirty="0">
                     <a:solidFill>
                       <a:sysClr val="windowText" lastClr="000000"/>
                     </a:solidFill>
                   </a:rPr>
-                  <a:t> Visit (%)</a:t>
+                  <a:t> Veterans with Nephrology Visit</a:t>
                 </a:r>
-                <a:endParaRPr lang="en-US" sz="2400">
+                <a:endParaRPr lang="en-US" sz="2150" dirty="0">
                   <a:solidFill>
                     <a:sysClr val="windowText" lastClr="000000"/>
                   </a:solidFill>
@@ -3105,7 +3137,7 @@
               <c:xMode val="edge"/>
               <c:yMode val="edge"/>
               <c:x val="0"/>
-              <c:y val="0.12837382142647991"/>
+              <c:y val="1.2079027646899106E-2"/>
             </c:manualLayout>
           </c:layout>
           <c:overlay val="0"/>
@@ -3121,7 +3153,7 @@
             <a:lstStyle/>
             <a:p>
               <a:pPr>
-                <a:defRPr sz="2400" b="0" i="0" u="none" strike="noStrike" kern="1200" baseline="0">
+                <a:defRPr sz="2150" b="0" i="0" u="none" strike="noStrike" kern="1200" baseline="0">
                   <a:solidFill>
                     <a:sysClr val="windowText" lastClr="000000"/>
                   </a:solidFill>
@@ -3532,7 +3564,7 @@
               <a:lstStyle/>
               <a:p>
                 <a:pPr>
-                  <a:defRPr sz="2400" b="0" i="0" u="none" strike="noStrike" kern="1200" baseline="0">
+                  <a:defRPr sz="2150" b="0" i="0" u="none" strike="noStrike" kern="1200" baseline="0">
                     <a:solidFill>
                       <a:sysClr val="windowText" lastClr="000000"/>
                     </a:solidFill>
@@ -3542,22 +3574,22 @@
                   </a:defRPr>
                 </a:pPr>
                 <a:r>
-                  <a:rPr lang="en-US" sz="2400">
+                  <a:rPr lang="en-US" sz="2150" dirty="0">
                     <a:solidFill>
                       <a:sysClr val="windowText" lastClr="000000"/>
                     </a:solidFill>
                   </a:rPr>
-                  <a:t>Nephrology</a:t>
+                  <a:t>%</a:t>
                 </a:r>
                 <a:r>
-                  <a:rPr lang="en-US" sz="2400" baseline="0">
+                  <a:rPr lang="en-US" sz="2150" baseline="0" dirty="0">
                     <a:solidFill>
                       <a:sysClr val="windowText" lastClr="000000"/>
                     </a:solidFill>
                   </a:rPr>
-                  <a:t> Visit (%)</a:t>
+                  <a:t> Veterans with Nephrology Visit</a:t>
                 </a:r>
-                <a:endParaRPr lang="en-US" sz="2400">
+                <a:endParaRPr lang="en-US" sz="2150" dirty="0">
                   <a:solidFill>
                     <a:sysClr val="windowText" lastClr="000000"/>
                   </a:solidFill>
@@ -3570,7 +3602,7 @@
               <c:xMode val="edge"/>
               <c:yMode val="edge"/>
               <c:x val="2.136752136752137E-3"/>
-              <c:y val="0.12546531498487659"/>
+              <c:y val="2.1356670373071745E-2"/>
             </c:manualLayout>
           </c:layout>
           <c:overlay val="0"/>
@@ -3586,7 +3618,7 @@
             <a:lstStyle/>
             <a:p>
               <a:pPr>
-                <a:defRPr sz="2400" b="0" i="0" u="none" strike="noStrike" kern="1200" baseline="0">
+                <a:defRPr sz="2150" b="0" i="0" u="none" strike="noStrike" kern="1200" baseline="0">
                   <a:solidFill>
                     <a:sysClr val="windowText" lastClr="000000"/>
                   </a:solidFill>
@@ -7102,7 +7134,7 @@
           <a:p>
             <a:fld id="{FEC8F623-83FF-45D9-9165-1796CF17F145}" type="datetimeFigureOut">
               <a:rPr lang="en-US" smtClean="0"/>
-              <a:t>2/15/2024</a:t>
+              <a:t>2/27/2024</a:t>
             </a:fld>
             <a:endParaRPr lang="en-US"/>
           </a:p>
@@ -7270,7 +7302,7 @@
           <a:p>
             <a:fld id="{FEC8F623-83FF-45D9-9165-1796CF17F145}" type="datetimeFigureOut">
               <a:rPr lang="en-US" smtClean="0"/>
-              <a:t>2/15/2024</a:t>
+              <a:t>2/27/2024</a:t>
             </a:fld>
             <a:endParaRPr lang="en-US"/>
           </a:p>
@@ -7448,7 +7480,7 @@
           <a:p>
             <a:fld id="{FEC8F623-83FF-45D9-9165-1796CF17F145}" type="datetimeFigureOut">
               <a:rPr lang="en-US" smtClean="0"/>
-              <a:t>2/15/2024</a:t>
+              <a:t>2/27/2024</a:t>
             </a:fld>
             <a:endParaRPr lang="en-US"/>
           </a:p>
@@ -7616,7 +7648,7 @@
           <a:p>
             <a:fld id="{FEC8F623-83FF-45D9-9165-1796CF17F145}" type="datetimeFigureOut">
               <a:rPr lang="en-US" smtClean="0"/>
-              <a:t>2/15/2024</a:t>
+              <a:t>2/27/2024</a:t>
             </a:fld>
             <a:endParaRPr lang="en-US"/>
           </a:p>
@@ -7896,7 +7928,7 @@
           <a:p>
             <a:fld id="{FEC8F623-83FF-45D9-9165-1796CF17F145}" type="datetimeFigureOut">
               <a:rPr lang="en-US" smtClean="0"/>
-              <a:t>2/15/2024</a:t>
+              <a:t>2/27/2024</a:t>
             </a:fld>
             <a:endParaRPr lang="en-US"/>
           </a:p>
@@ -8149,7 +8181,7 @@
           <a:p>
             <a:fld id="{FEC8F623-83FF-45D9-9165-1796CF17F145}" type="datetimeFigureOut">
               <a:rPr lang="en-US" smtClean="0"/>
-              <a:t>2/15/2024</a:t>
+              <a:t>2/27/2024</a:t>
             </a:fld>
             <a:endParaRPr lang="en-US"/>
           </a:p>
@@ -8537,7 +8569,7 @@
           <a:p>
             <a:fld id="{FEC8F623-83FF-45D9-9165-1796CF17F145}" type="datetimeFigureOut">
               <a:rPr lang="en-US" smtClean="0"/>
-              <a:t>2/15/2024</a:t>
+              <a:t>2/27/2024</a:t>
             </a:fld>
             <a:endParaRPr lang="en-US"/>
           </a:p>
@@ -8678,7 +8710,7 @@
           <a:p>
             <a:fld id="{FEC8F623-83FF-45D9-9165-1796CF17F145}" type="datetimeFigureOut">
               <a:rPr lang="en-US" smtClean="0"/>
-              <a:t>2/15/2024</a:t>
+              <a:t>2/27/2024</a:t>
             </a:fld>
             <a:endParaRPr lang="en-US"/>
           </a:p>
@@ -8773,7 +8805,7 @@
           <a:p>
             <a:fld id="{FEC8F623-83FF-45D9-9165-1796CF17F145}" type="datetimeFigureOut">
               <a:rPr lang="en-US" smtClean="0"/>
-              <a:t>2/15/2024</a:t>
+              <a:t>2/27/2024</a:t>
             </a:fld>
             <a:endParaRPr lang="en-US"/>
           </a:p>
@@ -9048,7 +9080,7 @@
           <a:p>
             <a:fld id="{FEC8F623-83FF-45D9-9165-1796CF17F145}" type="datetimeFigureOut">
               <a:rPr lang="en-US" smtClean="0"/>
-              <a:t>2/15/2024</a:t>
+              <a:t>2/27/2024</a:t>
             </a:fld>
             <a:endParaRPr lang="en-US"/>
           </a:p>
@@ -9300,7 +9332,7 @@
           <a:p>
             <a:fld id="{FEC8F623-83FF-45D9-9165-1796CF17F145}" type="datetimeFigureOut">
               <a:rPr lang="en-US" smtClean="0"/>
-              <a:t>2/15/2024</a:t>
+              <a:t>2/27/2024</a:t>
             </a:fld>
             <a:endParaRPr lang="en-US"/>
           </a:p>
@@ -9511,7 +9543,7 @@
           <a:p>
             <a:fld id="{FEC8F623-83FF-45D9-9165-1796CF17F145}" type="datetimeFigureOut">
               <a:rPr lang="en-US" smtClean="0"/>
-              <a:t>2/15/2024</a:t>
+              <a:t>2/27/2024</a:t>
             </a:fld>
             <a:endParaRPr lang="en-US"/>
           </a:p>
@@ -10208,7 +10240,7 @@
           <p:nvPr>
             <p:extLst>
               <p:ext uri="{D42A27DB-BD31-4B8C-83A1-F6EECF244321}">
-                <p14:modId xmlns:p14="http://schemas.microsoft.com/office/powerpoint/2010/main" val="1279207152"/>
+                <p14:modId xmlns:p14="http://schemas.microsoft.com/office/powerpoint/2010/main" val="2273048981"/>
               </p:ext>
             </p:extLst>
           </p:nvPr>
@@ -10305,7 +10337,7 @@
           <p:nvPr>
             <p:extLst>
               <p:ext uri="{D42A27DB-BD31-4B8C-83A1-F6EECF244321}">
-                <p14:modId xmlns:p14="http://schemas.microsoft.com/office/powerpoint/2010/main" val="2406511541"/>
+                <p14:modId xmlns:p14="http://schemas.microsoft.com/office/powerpoint/2010/main" val="3813749237"/>
               </p:ext>
             </p:extLst>
           </p:nvPr>
@@ -10402,7 +10434,7 @@
           <p:nvPr>
             <p:extLst>
               <p:ext uri="{D42A27DB-BD31-4B8C-83A1-F6EECF244321}">
-                <p14:modId xmlns:p14="http://schemas.microsoft.com/office/powerpoint/2010/main" val="2315046091"/>
+                <p14:modId xmlns:p14="http://schemas.microsoft.com/office/powerpoint/2010/main" val="2068128958"/>
               </p:ext>
             </p:extLst>
           </p:nvPr>
@@ -10499,7 +10531,7 @@
           <p:nvPr>
             <p:extLst>
               <p:ext uri="{D42A27DB-BD31-4B8C-83A1-F6EECF244321}">
-                <p14:modId xmlns:p14="http://schemas.microsoft.com/office/powerpoint/2010/main" val="2019947534"/>
+                <p14:modId xmlns:p14="http://schemas.microsoft.com/office/powerpoint/2010/main" val="1641054195"/>
               </p:ext>
             </p:extLst>
           </p:nvPr>
@@ -10596,7 +10628,7 @@
           <p:nvPr>
             <p:extLst>
               <p:ext uri="{D42A27DB-BD31-4B8C-83A1-F6EECF244321}">
-                <p14:modId xmlns:p14="http://schemas.microsoft.com/office/powerpoint/2010/main" val="1217311868"/>
+                <p14:modId xmlns:p14="http://schemas.microsoft.com/office/powerpoint/2010/main" val="1337286355"/>
               </p:ext>
             </p:extLst>
           </p:nvPr>
@@ -10693,7 +10725,7 @@
           <p:nvPr>
             <p:extLst>
               <p:ext uri="{D42A27DB-BD31-4B8C-83A1-F6EECF244321}">
-                <p14:modId xmlns:p14="http://schemas.microsoft.com/office/powerpoint/2010/main" val="3545970427"/>
+                <p14:modId xmlns:p14="http://schemas.microsoft.com/office/powerpoint/2010/main" val="2142932724"/>
               </p:ext>
             </p:extLst>
           </p:nvPr>
